--- a/ppt 16-9/1156.啊!多美的家.pptx
+++ b/ppt 16-9/1156.啊!多美的家.pptx
@@ -5,7 +5,7 @@
     <p:sldMasterId id="2147483648" r:id="rId1"/>
   </p:sldMasterIdLst>
   <p:sldIdLst>
-    <p:sldId id="653" r:id="rId2"/>
+    <p:sldId id="654" r:id="rId2"/>
   </p:sldIdLst>
   <p:sldSz cx="12192000" cy="6858000"/>
   <p:notesSz cx="6858000" cy="9144000"/>
@@ -129,7 +129,7 @@
           <p:cNvPr id="2" name="标题 1">
             <a:extLst>
               <a:ext uri="{FF2B5EF4-FFF2-40B4-BE49-F238E27FC236}">
-                <a16:creationId xmlns:a16="http://schemas.microsoft.com/office/drawing/2014/main" id="{02D57379-A686-EEE1-8035-525F37EF4D4C}"/>
+                <a16:creationId xmlns:a16="http://schemas.microsoft.com/office/drawing/2014/main" id="{3ADADDB5-32CA-BA01-18E2-33B6DC940622}"/>
               </a:ext>
             </a:extLst>
           </p:cNvPr>
@@ -166,7 +166,7 @@
           <p:cNvPr id="3" name="副标题 2">
             <a:extLst>
               <a:ext uri="{FF2B5EF4-FFF2-40B4-BE49-F238E27FC236}">
-                <a16:creationId xmlns:a16="http://schemas.microsoft.com/office/drawing/2014/main" id="{833A64C6-59C7-A183-849C-4FA822F2970F}"/>
+                <a16:creationId xmlns:a16="http://schemas.microsoft.com/office/drawing/2014/main" id="{20A5BBFC-4D5B-CDA1-04CE-43F7869432DA}"/>
               </a:ext>
             </a:extLst>
           </p:cNvPr>
@@ -236,7 +236,7 @@
           <p:cNvPr id="4" name="日期占位符 3">
             <a:extLst>
               <a:ext uri="{FF2B5EF4-FFF2-40B4-BE49-F238E27FC236}">
-                <a16:creationId xmlns:a16="http://schemas.microsoft.com/office/drawing/2014/main" id="{5A24DED3-5AFF-0082-7D8F-009AF4906A06}"/>
+                <a16:creationId xmlns:a16="http://schemas.microsoft.com/office/drawing/2014/main" id="{83498CC1-B9F2-C8E3-BE01-B713AB1D65EA}"/>
               </a:ext>
             </a:extLst>
           </p:cNvPr>
@@ -252,7 +252,7 @@
           <a:bodyPr/>
           <a:lstStyle/>
           <a:p>
-            <a:fld id="{9DB3D288-FA1A-4758-AC47-4ED4B174DECA}" type="datetimeFigureOut">
+            <a:fld id="{141AACBF-0EFF-40C0-B03F-7EF82ECECFAA}" type="datetimeFigureOut">
               <a:rPr lang="zh-CN" altLang="en-US" smtClean="0"/>
               <a:t>2024/3/10</a:t>
             </a:fld>
@@ -265,7 +265,7 @@
           <p:cNvPr id="5" name="页脚占位符 4">
             <a:extLst>
               <a:ext uri="{FF2B5EF4-FFF2-40B4-BE49-F238E27FC236}">
-                <a16:creationId xmlns:a16="http://schemas.microsoft.com/office/drawing/2014/main" id="{F7B3EE1A-CEF8-BF70-5CE7-17271054560E}"/>
+                <a16:creationId xmlns:a16="http://schemas.microsoft.com/office/drawing/2014/main" id="{C3B05C40-01A4-FCC1-E33C-E296FFA2A575}"/>
               </a:ext>
             </a:extLst>
           </p:cNvPr>
@@ -290,7 +290,7 @@
           <p:cNvPr id="6" name="灯片编号占位符 5">
             <a:extLst>
               <a:ext uri="{FF2B5EF4-FFF2-40B4-BE49-F238E27FC236}">
-                <a16:creationId xmlns:a16="http://schemas.microsoft.com/office/drawing/2014/main" id="{2E9919D1-5697-8361-D068-5E5AE38A2055}"/>
+                <a16:creationId xmlns:a16="http://schemas.microsoft.com/office/drawing/2014/main" id="{63959D4D-6DBC-BE34-6891-F6FE88AC651D}"/>
               </a:ext>
             </a:extLst>
           </p:cNvPr>
@@ -306,7 +306,7 @@
           <a:bodyPr/>
           <a:lstStyle/>
           <a:p>
-            <a:fld id="{E7F2898D-8491-494B-880E-FC4557A606E9}" type="slidenum">
+            <a:fld id="{B653C970-9DC8-4B2B-9784-9CF01C8AADD6}" type="slidenum">
               <a:rPr lang="zh-CN" altLang="en-US" smtClean="0"/>
               <a:t>‹#›</a:t>
             </a:fld>
@@ -317,7 +317,7 @@
     </p:spTree>
     <p:extLst>
       <p:ext uri="{BB962C8B-B14F-4D97-AF65-F5344CB8AC3E}">
-        <p14:creationId xmlns:p14="http://schemas.microsoft.com/office/powerpoint/2010/main" val="3656460982"/>
+        <p14:creationId xmlns:p14="http://schemas.microsoft.com/office/powerpoint/2010/main" val="24119728"/>
       </p:ext>
     </p:extLst>
   </p:cSld>
@@ -349,7 +349,7 @@
           <p:cNvPr id="2" name="标题 1">
             <a:extLst>
               <a:ext uri="{FF2B5EF4-FFF2-40B4-BE49-F238E27FC236}">
-                <a16:creationId xmlns:a16="http://schemas.microsoft.com/office/drawing/2014/main" id="{7776231D-A871-3A34-AE27-08E827EB80AD}"/>
+                <a16:creationId xmlns:a16="http://schemas.microsoft.com/office/drawing/2014/main" id="{5894FE32-0ED5-5C81-0FC6-96EEA6281900}"/>
               </a:ext>
             </a:extLst>
           </p:cNvPr>
@@ -377,7 +377,7 @@
           <p:cNvPr id="3" name="竖排文字占位符 2">
             <a:extLst>
               <a:ext uri="{FF2B5EF4-FFF2-40B4-BE49-F238E27FC236}">
-                <a16:creationId xmlns:a16="http://schemas.microsoft.com/office/drawing/2014/main" id="{FDEF6F3F-43D7-B740-22CF-40AFF8559839}"/>
+                <a16:creationId xmlns:a16="http://schemas.microsoft.com/office/drawing/2014/main" id="{EAAE89F6-5356-6E6A-1C6C-DC0F1FE906C8}"/>
               </a:ext>
             </a:extLst>
           </p:cNvPr>
@@ -434,7 +434,7 @@
           <p:cNvPr id="4" name="日期占位符 3">
             <a:extLst>
               <a:ext uri="{FF2B5EF4-FFF2-40B4-BE49-F238E27FC236}">
-                <a16:creationId xmlns:a16="http://schemas.microsoft.com/office/drawing/2014/main" id="{5EC088C8-8DC3-0009-55FD-6C9B2FEBA5B6}"/>
+                <a16:creationId xmlns:a16="http://schemas.microsoft.com/office/drawing/2014/main" id="{7D3AB777-8CA2-52E8-F39B-5F06E859B6F4}"/>
               </a:ext>
             </a:extLst>
           </p:cNvPr>
@@ -450,7 +450,7 @@
           <a:bodyPr/>
           <a:lstStyle/>
           <a:p>
-            <a:fld id="{9DB3D288-FA1A-4758-AC47-4ED4B174DECA}" type="datetimeFigureOut">
+            <a:fld id="{141AACBF-0EFF-40C0-B03F-7EF82ECECFAA}" type="datetimeFigureOut">
               <a:rPr lang="zh-CN" altLang="en-US" smtClean="0"/>
               <a:t>2024/3/10</a:t>
             </a:fld>
@@ -463,7 +463,7 @@
           <p:cNvPr id="5" name="页脚占位符 4">
             <a:extLst>
               <a:ext uri="{FF2B5EF4-FFF2-40B4-BE49-F238E27FC236}">
-                <a16:creationId xmlns:a16="http://schemas.microsoft.com/office/drawing/2014/main" id="{91F5A13D-37DC-A64E-F554-20AF24BC2567}"/>
+                <a16:creationId xmlns:a16="http://schemas.microsoft.com/office/drawing/2014/main" id="{EA6CAACC-452B-6982-F460-EB32955E84B1}"/>
               </a:ext>
             </a:extLst>
           </p:cNvPr>
@@ -488,7 +488,7 @@
           <p:cNvPr id="6" name="灯片编号占位符 5">
             <a:extLst>
               <a:ext uri="{FF2B5EF4-FFF2-40B4-BE49-F238E27FC236}">
-                <a16:creationId xmlns:a16="http://schemas.microsoft.com/office/drawing/2014/main" id="{B87D6AA9-F267-6568-E96B-BA1A8D441FD3}"/>
+                <a16:creationId xmlns:a16="http://schemas.microsoft.com/office/drawing/2014/main" id="{CCC2F5EA-0921-9CE2-EA07-47EC699E92B9}"/>
               </a:ext>
             </a:extLst>
           </p:cNvPr>
@@ -504,7 +504,7 @@
           <a:bodyPr/>
           <a:lstStyle/>
           <a:p>
-            <a:fld id="{E7F2898D-8491-494B-880E-FC4557A606E9}" type="slidenum">
+            <a:fld id="{B653C970-9DC8-4B2B-9784-9CF01C8AADD6}" type="slidenum">
               <a:rPr lang="zh-CN" altLang="en-US" smtClean="0"/>
               <a:t>‹#›</a:t>
             </a:fld>
@@ -515,7 +515,7 @@
     </p:spTree>
     <p:extLst>
       <p:ext uri="{BB962C8B-B14F-4D97-AF65-F5344CB8AC3E}">
-        <p14:creationId xmlns:p14="http://schemas.microsoft.com/office/powerpoint/2010/main" val="2022128301"/>
+        <p14:creationId xmlns:p14="http://schemas.microsoft.com/office/powerpoint/2010/main" val="911428006"/>
       </p:ext>
     </p:extLst>
   </p:cSld>
@@ -547,7 +547,7 @@
           <p:cNvPr id="2" name="竖排标题 1">
             <a:extLst>
               <a:ext uri="{FF2B5EF4-FFF2-40B4-BE49-F238E27FC236}">
-                <a16:creationId xmlns:a16="http://schemas.microsoft.com/office/drawing/2014/main" id="{6285C85E-CF08-D701-869D-8121D64F7558}"/>
+                <a16:creationId xmlns:a16="http://schemas.microsoft.com/office/drawing/2014/main" id="{663BE92B-A727-78E2-6224-D9FC62940644}"/>
               </a:ext>
             </a:extLst>
           </p:cNvPr>
@@ -580,7 +580,7 @@
           <p:cNvPr id="3" name="竖排文字占位符 2">
             <a:extLst>
               <a:ext uri="{FF2B5EF4-FFF2-40B4-BE49-F238E27FC236}">
-                <a16:creationId xmlns:a16="http://schemas.microsoft.com/office/drawing/2014/main" id="{5586359C-55E9-C52D-93B0-A66B0041C699}"/>
+                <a16:creationId xmlns:a16="http://schemas.microsoft.com/office/drawing/2014/main" id="{CAD2E6BC-777E-E0F5-BEE0-5E608EC0DD7C}"/>
               </a:ext>
             </a:extLst>
           </p:cNvPr>
@@ -642,7 +642,7 @@
           <p:cNvPr id="4" name="日期占位符 3">
             <a:extLst>
               <a:ext uri="{FF2B5EF4-FFF2-40B4-BE49-F238E27FC236}">
-                <a16:creationId xmlns:a16="http://schemas.microsoft.com/office/drawing/2014/main" id="{C23BD836-507D-A5FF-5F04-E561D590A26E}"/>
+                <a16:creationId xmlns:a16="http://schemas.microsoft.com/office/drawing/2014/main" id="{38BB5275-74BE-3A14-8C56-740573F18736}"/>
               </a:ext>
             </a:extLst>
           </p:cNvPr>
@@ -658,7 +658,7 @@
           <a:bodyPr/>
           <a:lstStyle/>
           <a:p>
-            <a:fld id="{9DB3D288-FA1A-4758-AC47-4ED4B174DECA}" type="datetimeFigureOut">
+            <a:fld id="{141AACBF-0EFF-40C0-B03F-7EF82ECECFAA}" type="datetimeFigureOut">
               <a:rPr lang="zh-CN" altLang="en-US" smtClean="0"/>
               <a:t>2024/3/10</a:t>
             </a:fld>
@@ -671,7 +671,7 @@
           <p:cNvPr id="5" name="页脚占位符 4">
             <a:extLst>
               <a:ext uri="{FF2B5EF4-FFF2-40B4-BE49-F238E27FC236}">
-                <a16:creationId xmlns:a16="http://schemas.microsoft.com/office/drawing/2014/main" id="{1A4F3F62-5734-5248-CC48-6EA317924E07}"/>
+                <a16:creationId xmlns:a16="http://schemas.microsoft.com/office/drawing/2014/main" id="{C24DD3D5-3204-6126-FD2F-B7BD568C5F7E}"/>
               </a:ext>
             </a:extLst>
           </p:cNvPr>
@@ -696,7 +696,7 @@
           <p:cNvPr id="6" name="灯片编号占位符 5">
             <a:extLst>
               <a:ext uri="{FF2B5EF4-FFF2-40B4-BE49-F238E27FC236}">
-                <a16:creationId xmlns:a16="http://schemas.microsoft.com/office/drawing/2014/main" id="{D11EE342-A159-964B-3A41-A2881612CC32}"/>
+                <a16:creationId xmlns:a16="http://schemas.microsoft.com/office/drawing/2014/main" id="{07E0C917-D854-6C63-2D4D-6DD7EB43648B}"/>
               </a:ext>
             </a:extLst>
           </p:cNvPr>
@@ -712,7 +712,7 @@
           <a:bodyPr/>
           <a:lstStyle/>
           <a:p>
-            <a:fld id="{E7F2898D-8491-494B-880E-FC4557A606E9}" type="slidenum">
+            <a:fld id="{B653C970-9DC8-4B2B-9784-9CF01C8AADD6}" type="slidenum">
               <a:rPr lang="zh-CN" altLang="en-US" smtClean="0"/>
               <a:t>‹#›</a:t>
             </a:fld>
@@ -723,7 +723,7 @@
     </p:spTree>
     <p:extLst>
       <p:ext uri="{BB962C8B-B14F-4D97-AF65-F5344CB8AC3E}">
-        <p14:creationId xmlns:p14="http://schemas.microsoft.com/office/powerpoint/2010/main" val="260363007"/>
+        <p14:creationId xmlns:p14="http://schemas.microsoft.com/office/powerpoint/2010/main" val="2936022449"/>
       </p:ext>
     </p:extLst>
   </p:cSld>
@@ -755,7 +755,7 @@
           <p:cNvPr id="2" name="标题 1">
             <a:extLst>
               <a:ext uri="{FF2B5EF4-FFF2-40B4-BE49-F238E27FC236}">
-                <a16:creationId xmlns:a16="http://schemas.microsoft.com/office/drawing/2014/main" id="{7DB7EBE6-1C91-F9B4-8D44-4B3487B8E2E6}"/>
+                <a16:creationId xmlns:a16="http://schemas.microsoft.com/office/drawing/2014/main" id="{608D0DC1-F7A5-12CB-3B8B-47CDCCB95489}"/>
               </a:ext>
             </a:extLst>
           </p:cNvPr>
@@ -783,7 +783,7 @@
           <p:cNvPr id="3" name="内容占位符 2">
             <a:extLst>
               <a:ext uri="{FF2B5EF4-FFF2-40B4-BE49-F238E27FC236}">
-                <a16:creationId xmlns:a16="http://schemas.microsoft.com/office/drawing/2014/main" id="{D55B8AEE-43FB-00AD-0C85-3E27A481E227}"/>
+                <a16:creationId xmlns:a16="http://schemas.microsoft.com/office/drawing/2014/main" id="{84571229-AB43-4C1F-5FBF-C082B616FD66}"/>
               </a:ext>
             </a:extLst>
           </p:cNvPr>
@@ -840,7 +840,7 @@
           <p:cNvPr id="4" name="日期占位符 3">
             <a:extLst>
               <a:ext uri="{FF2B5EF4-FFF2-40B4-BE49-F238E27FC236}">
-                <a16:creationId xmlns:a16="http://schemas.microsoft.com/office/drawing/2014/main" id="{7CD68F3C-687E-C3AA-F1F3-E5754EDB0344}"/>
+                <a16:creationId xmlns:a16="http://schemas.microsoft.com/office/drawing/2014/main" id="{41F3DEEC-2F06-C071-A1FA-1A24FC4EE33A}"/>
               </a:ext>
             </a:extLst>
           </p:cNvPr>
@@ -856,7 +856,7 @@
           <a:bodyPr/>
           <a:lstStyle/>
           <a:p>
-            <a:fld id="{9DB3D288-FA1A-4758-AC47-4ED4B174DECA}" type="datetimeFigureOut">
+            <a:fld id="{141AACBF-0EFF-40C0-B03F-7EF82ECECFAA}" type="datetimeFigureOut">
               <a:rPr lang="zh-CN" altLang="en-US" smtClean="0"/>
               <a:t>2024/3/10</a:t>
             </a:fld>
@@ -869,7 +869,7 @@
           <p:cNvPr id="5" name="页脚占位符 4">
             <a:extLst>
               <a:ext uri="{FF2B5EF4-FFF2-40B4-BE49-F238E27FC236}">
-                <a16:creationId xmlns:a16="http://schemas.microsoft.com/office/drawing/2014/main" id="{3E07ACB9-499A-D22D-2740-3088E6DE0B2B}"/>
+                <a16:creationId xmlns:a16="http://schemas.microsoft.com/office/drawing/2014/main" id="{C50FF058-A498-2543-AEE8-E44C66A6C5EC}"/>
               </a:ext>
             </a:extLst>
           </p:cNvPr>
@@ -894,7 +894,7 @@
           <p:cNvPr id="6" name="灯片编号占位符 5">
             <a:extLst>
               <a:ext uri="{FF2B5EF4-FFF2-40B4-BE49-F238E27FC236}">
-                <a16:creationId xmlns:a16="http://schemas.microsoft.com/office/drawing/2014/main" id="{15A87836-53D2-622A-AF3B-57CA063F095F}"/>
+                <a16:creationId xmlns:a16="http://schemas.microsoft.com/office/drawing/2014/main" id="{35EFF997-BAE8-E721-8214-354E6DCCCADD}"/>
               </a:ext>
             </a:extLst>
           </p:cNvPr>
@@ -910,7 +910,7 @@
           <a:bodyPr/>
           <a:lstStyle/>
           <a:p>
-            <a:fld id="{E7F2898D-8491-494B-880E-FC4557A606E9}" type="slidenum">
+            <a:fld id="{B653C970-9DC8-4B2B-9784-9CF01C8AADD6}" type="slidenum">
               <a:rPr lang="zh-CN" altLang="en-US" smtClean="0"/>
               <a:t>‹#›</a:t>
             </a:fld>
@@ -921,7 +921,7 @@
     </p:spTree>
     <p:extLst>
       <p:ext uri="{BB962C8B-B14F-4D97-AF65-F5344CB8AC3E}">
-        <p14:creationId xmlns:p14="http://schemas.microsoft.com/office/powerpoint/2010/main" val="3884016146"/>
+        <p14:creationId xmlns:p14="http://schemas.microsoft.com/office/powerpoint/2010/main" val="140563962"/>
       </p:ext>
     </p:extLst>
   </p:cSld>
@@ -953,7 +953,7 @@
           <p:cNvPr id="2" name="标题 1">
             <a:extLst>
               <a:ext uri="{FF2B5EF4-FFF2-40B4-BE49-F238E27FC236}">
-                <a16:creationId xmlns:a16="http://schemas.microsoft.com/office/drawing/2014/main" id="{196EACEF-B7C5-73CD-731A-E599E0604F43}"/>
+                <a16:creationId xmlns:a16="http://schemas.microsoft.com/office/drawing/2014/main" id="{D61BF944-65D1-3989-870E-CF835263D04A}"/>
               </a:ext>
             </a:extLst>
           </p:cNvPr>
@@ -990,7 +990,7 @@
           <p:cNvPr id="3" name="文本占位符 2">
             <a:extLst>
               <a:ext uri="{FF2B5EF4-FFF2-40B4-BE49-F238E27FC236}">
-                <a16:creationId xmlns:a16="http://schemas.microsoft.com/office/drawing/2014/main" id="{6EE8B8BF-BFCF-DD38-B8EE-7972B38F9B58}"/>
+                <a16:creationId xmlns:a16="http://schemas.microsoft.com/office/drawing/2014/main" id="{149F9F18-D3D1-D922-C8BC-79C544FB1FBB}"/>
               </a:ext>
             </a:extLst>
           </p:cNvPr>
@@ -1115,7 +1115,7 @@
           <p:cNvPr id="4" name="日期占位符 3">
             <a:extLst>
               <a:ext uri="{FF2B5EF4-FFF2-40B4-BE49-F238E27FC236}">
-                <a16:creationId xmlns:a16="http://schemas.microsoft.com/office/drawing/2014/main" id="{7971D298-C59C-DAD1-2844-01B7EDE845AC}"/>
+                <a16:creationId xmlns:a16="http://schemas.microsoft.com/office/drawing/2014/main" id="{1194792C-499D-E404-CF8A-1D8EEF0ECDA3}"/>
               </a:ext>
             </a:extLst>
           </p:cNvPr>
@@ -1131,7 +1131,7 @@
           <a:bodyPr/>
           <a:lstStyle/>
           <a:p>
-            <a:fld id="{9DB3D288-FA1A-4758-AC47-4ED4B174DECA}" type="datetimeFigureOut">
+            <a:fld id="{141AACBF-0EFF-40C0-B03F-7EF82ECECFAA}" type="datetimeFigureOut">
               <a:rPr lang="zh-CN" altLang="en-US" smtClean="0"/>
               <a:t>2024/3/10</a:t>
             </a:fld>
@@ -1144,7 +1144,7 @@
           <p:cNvPr id="5" name="页脚占位符 4">
             <a:extLst>
               <a:ext uri="{FF2B5EF4-FFF2-40B4-BE49-F238E27FC236}">
-                <a16:creationId xmlns:a16="http://schemas.microsoft.com/office/drawing/2014/main" id="{CF5B2106-0924-05AD-F0E1-5BA96895A78B}"/>
+                <a16:creationId xmlns:a16="http://schemas.microsoft.com/office/drawing/2014/main" id="{8D4BFA8E-9028-40C2-64E5-9FBC98BDB46D}"/>
               </a:ext>
             </a:extLst>
           </p:cNvPr>
@@ -1169,7 +1169,7 @@
           <p:cNvPr id="6" name="灯片编号占位符 5">
             <a:extLst>
               <a:ext uri="{FF2B5EF4-FFF2-40B4-BE49-F238E27FC236}">
-                <a16:creationId xmlns:a16="http://schemas.microsoft.com/office/drawing/2014/main" id="{92966989-0CDE-D7CC-E3DA-025EE7561624}"/>
+                <a16:creationId xmlns:a16="http://schemas.microsoft.com/office/drawing/2014/main" id="{642B8ED4-481F-C615-4290-273C51808D22}"/>
               </a:ext>
             </a:extLst>
           </p:cNvPr>
@@ -1185,7 +1185,7 @@
           <a:bodyPr/>
           <a:lstStyle/>
           <a:p>
-            <a:fld id="{E7F2898D-8491-494B-880E-FC4557A606E9}" type="slidenum">
+            <a:fld id="{B653C970-9DC8-4B2B-9784-9CF01C8AADD6}" type="slidenum">
               <a:rPr lang="zh-CN" altLang="en-US" smtClean="0"/>
               <a:t>‹#›</a:t>
             </a:fld>
@@ -1196,7 +1196,7 @@
     </p:spTree>
     <p:extLst>
       <p:ext uri="{BB962C8B-B14F-4D97-AF65-F5344CB8AC3E}">
-        <p14:creationId xmlns:p14="http://schemas.microsoft.com/office/powerpoint/2010/main" val="3191793348"/>
+        <p14:creationId xmlns:p14="http://schemas.microsoft.com/office/powerpoint/2010/main" val="2378013500"/>
       </p:ext>
     </p:extLst>
   </p:cSld>
@@ -1228,7 +1228,7 @@
           <p:cNvPr id="2" name="标题 1">
             <a:extLst>
               <a:ext uri="{FF2B5EF4-FFF2-40B4-BE49-F238E27FC236}">
-                <a16:creationId xmlns:a16="http://schemas.microsoft.com/office/drawing/2014/main" id="{542400D4-090A-8169-8C2E-F213C21A8D27}"/>
+                <a16:creationId xmlns:a16="http://schemas.microsoft.com/office/drawing/2014/main" id="{75D8D9A2-7E6C-E8A3-3B61-874CC5FF457B}"/>
               </a:ext>
             </a:extLst>
           </p:cNvPr>
@@ -1256,7 +1256,7 @@
           <p:cNvPr id="3" name="内容占位符 2">
             <a:extLst>
               <a:ext uri="{FF2B5EF4-FFF2-40B4-BE49-F238E27FC236}">
-                <a16:creationId xmlns:a16="http://schemas.microsoft.com/office/drawing/2014/main" id="{AABB759A-0004-7531-B083-0E1AFBE6DBC7}"/>
+                <a16:creationId xmlns:a16="http://schemas.microsoft.com/office/drawing/2014/main" id="{D8AF96F0-7254-33F6-C847-BD734F391731}"/>
               </a:ext>
             </a:extLst>
           </p:cNvPr>
@@ -1318,7 +1318,7 @@
           <p:cNvPr id="4" name="内容占位符 3">
             <a:extLst>
               <a:ext uri="{FF2B5EF4-FFF2-40B4-BE49-F238E27FC236}">
-                <a16:creationId xmlns:a16="http://schemas.microsoft.com/office/drawing/2014/main" id="{963DF827-1C36-8769-06F3-7DF8BE95D24F}"/>
+                <a16:creationId xmlns:a16="http://schemas.microsoft.com/office/drawing/2014/main" id="{68DECDF3-C14F-8E9F-139F-C9812DB1B6B4}"/>
               </a:ext>
             </a:extLst>
           </p:cNvPr>
@@ -1380,7 +1380,7 @@
           <p:cNvPr id="5" name="日期占位符 4">
             <a:extLst>
               <a:ext uri="{FF2B5EF4-FFF2-40B4-BE49-F238E27FC236}">
-                <a16:creationId xmlns:a16="http://schemas.microsoft.com/office/drawing/2014/main" id="{3CA06692-C2A1-960C-33D7-C61376BB8016}"/>
+                <a16:creationId xmlns:a16="http://schemas.microsoft.com/office/drawing/2014/main" id="{6F6BBC24-7657-9479-2177-8FDEB86CF8B3}"/>
               </a:ext>
             </a:extLst>
           </p:cNvPr>
@@ -1396,7 +1396,7 @@
           <a:bodyPr/>
           <a:lstStyle/>
           <a:p>
-            <a:fld id="{9DB3D288-FA1A-4758-AC47-4ED4B174DECA}" type="datetimeFigureOut">
+            <a:fld id="{141AACBF-0EFF-40C0-B03F-7EF82ECECFAA}" type="datetimeFigureOut">
               <a:rPr lang="zh-CN" altLang="en-US" smtClean="0"/>
               <a:t>2024/3/10</a:t>
             </a:fld>
@@ -1409,7 +1409,7 @@
           <p:cNvPr id="6" name="页脚占位符 5">
             <a:extLst>
               <a:ext uri="{FF2B5EF4-FFF2-40B4-BE49-F238E27FC236}">
-                <a16:creationId xmlns:a16="http://schemas.microsoft.com/office/drawing/2014/main" id="{D00669DB-4F2C-4D83-DFEA-0B429B7E5C17}"/>
+                <a16:creationId xmlns:a16="http://schemas.microsoft.com/office/drawing/2014/main" id="{FC2895A2-6496-139C-8735-A75C3B5C7169}"/>
               </a:ext>
             </a:extLst>
           </p:cNvPr>
@@ -1434,7 +1434,7 @@
           <p:cNvPr id="7" name="灯片编号占位符 6">
             <a:extLst>
               <a:ext uri="{FF2B5EF4-FFF2-40B4-BE49-F238E27FC236}">
-                <a16:creationId xmlns:a16="http://schemas.microsoft.com/office/drawing/2014/main" id="{B9D8DFFF-9D06-CADA-48FE-440693C21CEC}"/>
+                <a16:creationId xmlns:a16="http://schemas.microsoft.com/office/drawing/2014/main" id="{BA8B0CA1-4DFD-5033-6DA1-6EA291502B2E}"/>
               </a:ext>
             </a:extLst>
           </p:cNvPr>
@@ -1450,7 +1450,7 @@
           <a:bodyPr/>
           <a:lstStyle/>
           <a:p>
-            <a:fld id="{E7F2898D-8491-494B-880E-FC4557A606E9}" type="slidenum">
+            <a:fld id="{B653C970-9DC8-4B2B-9784-9CF01C8AADD6}" type="slidenum">
               <a:rPr lang="zh-CN" altLang="en-US" smtClean="0"/>
               <a:t>‹#›</a:t>
             </a:fld>
@@ -1461,7 +1461,7 @@
     </p:spTree>
     <p:extLst>
       <p:ext uri="{BB962C8B-B14F-4D97-AF65-F5344CB8AC3E}">
-        <p14:creationId xmlns:p14="http://schemas.microsoft.com/office/powerpoint/2010/main" val="3273012883"/>
+        <p14:creationId xmlns:p14="http://schemas.microsoft.com/office/powerpoint/2010/main" val="2487152776"/>
       </p:ext>
     </p:extLst>
   </p:cSld>
@@ -1493,7 +1493,7 @@
           <p:cNvPr id="2" name="标题 1">
             <a:extLst>
               <a:ext uri="{FF2B5EF4-FFF2-40B4-BE49-F238E27FC236}">
-                <a16:creationId xmlns:a16="http://schemas.microsoft.com/office/drawing/2014/main" id="{79BDF825-0D56-130B-BBA8-E3B35CF19FB6}"/>
+                <a16:creationId xmlns:a16="http://schemas.microsoft.com/office/drawing/2014/main" id="{4B0B4792-3B37-03BF-42A9-647A4EC71694}"/>
               </a:ext>
             </a:extLst>
           </p:cNvPr>
@@ -1526,7 +1526,7 @@
           <p:cNvPr id="3" name="文本占位符 2">
             <a:extLst>
               <a:ext uri="{FF2B5EF4-FFF2-40B4-BE49-F238E27FC236}">
-                <a16:creationId xmlns:a16="http://schemas.microsoft.com/office/drawing/2014/main" id="{03633EAF-B5AE-9BC9-FE7D-2BEB5F695471}"/>
+                <a16:creationId xmlns:a16="http://schemas.microsoft.com/office/drawing/2014/main" id="{EDC5BA18-A7C6-30C5-F4D3-3FC519782C8A}"/>
               </a:ext>
             </a:extLst>
           </p:cNvPr>
@@ -1597,7 +1597,7 @@
           <p:cNvPr id="4" name="内容占位符 3">
             <a:extLst>
               <a:ext uri="{FF2B5EF4-FFF2-40B4-BE49-F238E27FC236}">
-                <a16:creationId xmlns:a16="http://schemas.microsoft.com/office/drawing/2014/main" id="{C716E32B-8729-A32D-FBB4-B46D0B481182}"/>
+                <a16:creationId xmlns:a16="http://schemas.microsoft.com/office/drawing/2014/main" id="{A0572B22-F1D8-5BAD-13F0-FEF7613DB70A}"/>
               </a:ext>
             </a:extLst>
           </p:cNvPr>
@@ -1659,7 +1659,7 @@
           <p:cNvPr id="5" name="文本占位符 4">
             <a:extLst>
               <a:ext uri="{FF2B5EF4-FFF2-40B4-BE49-F238E27FC236}">
-                <a16:creationId xmlns:a16="http://schemas.microsoft.com/office/drawing/2014/main" id="{08BC4B2F-ED10-28CA-D688-23109D26EB03}"/>
+                <a16:creationId xmlns:a16="http://schemas.microsoft.com/office/drawing/2014/main" id="{63F2E77D-58A2-0DD7-ED50-89A849A19A70}"/>
               </a:ext>
             </a:extLst>
           </p:cNvPr>
@@ -1730,7 +1730,7 @@
           <p:cNvPr id="6" name="内容占位符 5">
             <a:extLst>
               <a:ext uri="{FF2B5EF4-FFF2-40B4-BE49-F238E27FC236}">
-                <a16:creationId xmlns:a16="http://schemas.microsoft.com/office/drawing/2014/main" id="{FD9B2E85-649D-60F9-A2CB-81DAE099647E}"/>
+                <a16:creationId xmlns:a16="http://schemas.microsoft.com/office/drawing/2014/main" id="{163F8D37-738F-7DA8-9763-64F0090BD784}"/>
               </a:ext>
             </a:extLst>
           </p:cNvPr>
@@ -1792,7 +1792,7 @@
           <p:cNvPr id="7" name="日期占位符 6">
             <a:extLst>
               <a:ext uri="{FF2B5EF4-FFF2-40B4-BE49-F238E27FC236}">
-                <a16:creationId xmlns:a16="http://schemas.microsoft.com/office/drawing/2014/main" id="{8C9E2902-8A1D-84EB-6754-414932F92CFD}"/>
+                <a16:creationId xmlns:a16="http://schemas.microsoft.com/office/drawing/2014/main" id="{7D2CD9EE-A679-C5A5-1AC9-8E36C8FAB637}"/>
               </a:ext>
             </a:extLst>
           </p:cNvPr>
@@ -1808,7 +1808,7 @@
           <a:bodyPr/>
           <a:lstStyle/>
           <a:p>
-            <a:fld id="{9DB3D288-FA1A-4758-AC47-4ED4B174DECA}" type="datetimeFigureOut">
+            <a:fld id="{141AACBF-0EFF-40C0-B03F-7EF82ECECFAA}" type="datetimeFigureOut">
               <a:rPr lang="zh-CN" altLang="en-US" smtClean="0"/>
               <a:t>2024/3/10</a:t>
             </a:fld>
@@ -1821,7 +1821,7 @@
           <p:cNvPr id="8" name="页脚占位符 7">
             <a:extLst>
               <a:ext uri="{FF2B5EF4-FFF2-40B4-BE49-F238E27FC236}">
-                <a16:creationId xmlns:a16="http://schemas.microsoft.com/office/drawing/2014/main" id="{58D3B6DE-4392-2C16-0003-E207A41ED668}"/>
+                <a16:creationId xmlns:a16="http://schemas.microsoft.com/office/drawing/2014/main" id="{7B7C8D83-61B7-A039-9377-B668457C3014}"/>
               </a:ext>
             </a:extLst>
           </p:cNvPr>
@@ -1846,7 +1846,7 @@
           <p:cNvPr id="9" name="灯片编号占位符 8">
             <a:extLst>
               <a:ext uri="{FF2B5EF4-FFF2-40B4-BE49-F238E27FC236}">
-                <a16:creationId xmlns:a16="http://schemas.microsoft.com/office/drawing/2014/main" id="{7E71A6F5-4C7E-0190-4EA3-4A943DC44FF1}"/>
+                <a16:creationId xmlns:a16="http://schemas.microsoft.com/office/drawing/2014/main" id="{7FC76548-8BFB-2994-FE2D-286B22FEA073}"/>
               </a:ext>
             </a:extLst>
           </p:cNvPr>
@@ -1862,7 +1862,7 @@
           <a:bodyPr/>
           <a:lstStyle/>
           <a:p>
-            <a:fld id="{E7F2898D-8491-494B-880E-FC4557A606E9}" type="slidenum">
+            <a:fld id="{B653C970-9DC8-4B2B-9784-9CF01C8AADD6}" type="slidenum">
               <a:rPr lang="zh-CN" altLang="en-US" smtClean="0"/>
               <a:t>‹#›</a:t>
             </a:fld>
@@ -1873,7 +1873,7 @@
     </p:spTree>
     <p:extLst>
       <p:ext uri="{BB962C8B-B14F-4D97-AF65-F5344CB8AC3E}">
-        <p14:creationId xmlns:p14="http://schemas.microsoft.com/office/powerpoint/2010/main" val="3668670518"/>
+        <p14:creationId xmlns:p14="http://schemas.microsoft.com/office/powerpoint/2010/main" val="1041884876"/>
       </p:ext>
     </p:extLst>
   </p:cSld>
@@ -1905,7 +1905,7 @@
           <p:cNvPr id="2" name="标题 1">
             <a:extLst>
               <a:ext uri="{FF2B5EF4-FFF2-40B4-BE49-F238E27FC236}">
-                <a16:creationId xmlns:a16="http://schemas.microsoft.com/office/drawing/2014/main" id="{F392BD54-AA4F-15A0-6DD1-F626C2EF5316}"/>
+                <a16:creationId xmlns:a16="http://schemas.microsoft.com/office/drawing/2014/main" id="{2DABB0CA-0277-4382-7039-0C7923BC1BD4}"/>
               </a:ext>
             </a:extLst>
           </p:cNvPr>
@@ -1933,7 +1933,7 @@
           <p:cNvPr id="3" name="日期占位符 2">
             <a:extLst>
               <a:ext uri="{FF2B5EF4-FFF2-40B4-BE49-F238E27FC236}">
-                <a16:creationId xmlns:a16="http://schemas.microsoft.com/office/drawing/2014/main" id="{F03B852F-B88E-D836-6D6B-2ED37CCFA479}"/>
+                <a16:creationId xmlns:a16="http://schemas.microsoft.com/office/drawing/2014/main" id="{8F179447-D613-1853-6BFA-878430720F46}"/>
               </a:ext>
             </a:extLst>
           </p:cNvPr>
@@ -1949,7 +1949,7 @@
           <a:bodyPr/>
           <a:lstStyle/>
           <a:p>
-            <a:fld id="{9DB3D288-FA1A-4758-AC47-4ED4B174DECA}" type="datetimeFigureOut">
+            <a:fld id="{141AACBF-0EFF-40C0-B03F-7EF82ECECFAA}" type="datetimeFigureOut">
               <a:rPr lang="zh-CN" altLang="en-US" smtClean="0"/>
               <a:t>2024/3/10</a:t>
             </a:fld>
@@ -1962,7 +1962,7 @@
           <p:cNvPr id="4" name="页脚占位符 3">
             <a:extLst>
               <a:ext uri="{FF2B5EF4-FFF2-40B4-BE49-F238E27FC236}">
-                <a16:creationId xmlns:a16="http://schemas.microsoft.com/office/drawing/2014/main" id="{C3377460-E931-6F5D-07CA-2A8B56BD96AA}"/>
+                <a16:creationId xmlns:a16="http://schemas.microsoft.com/office/drawing/2014/main" id="{75623C4B-C669-99F4-2587-4A4237A30D37}"/>
               </a:ext>
             </a:extLst>
           </p:cNvPr>
@@ -1987,7 +1987,7 @@
           <p:cNvPr id="5" name="灯片编号占位符 4">
             <a:extLst>
               <a:ext uri="{FF2B5EF4-FFF2-40B4-BE49-F238E27FC236}">
-                <a16:creationId xmlns:a16="http://schemas.microsoft.com/office/drawing/2014/main" id="{14A05E9E-E1CD-996B-7585-B7EF72559D8E}"/>
+                <a16:creationId xmlns:a16="http://schemas.microsoft.com/office/drawing/2014/main" id="{062026AF-17EB-A385-60E5-F3F98254A2A4}"/>
               </a:ext>
             </a:extLst>
           </p:cNvPr>
@@ -2003,7 +2003,7 @@
           <a:bodyPr/>
           <a:lstStyle/>
           <a:p>
-            <a:fld id="{E7F2898D-8491-494B-880E-FC4557A606E9}" type="slidenum">
+            <a:fld id="{B653C970-9DC8-4B2B-9784-9CF01C8AADD6}" type="slidenum">
               <a:rPr lang="zh-CN" altLang="en-US" smtClean="0"/>
               <a:t>‹#›</a:t>
             </a:fld>
@@ -2014,7 +2014,7 @@
     </p:spTree>
     <p:extLst>
       <p:ext uri="{BB962C8B-B14F-4D97-AF65-F5344CB8AC3E}">
-        <p14:creationId xmlns:p14="http://schemas.microsoft.com/office/powerpoint/2010/main" val="257474884"/>
+        <p14:creationId xmlns:p14="http://schemas.microsoft.com/office/powerpoint/2010/main" val="2088411383"/>
       </p:ext>
     </p:extLst>
   </p:cSld>
@@ -2046,7 +2046,7 @@
           <p:cNvPr id="2" name="日期占位符 1">
             <a:extLst>
               <a:ext uri="{FF2B5EF4-FFF2-40B4-BE49-F238E27FC236}">
-                <a16:creationId xmlns:a16="http://schemas.microsoft.com/office/drawing/2014/main" id="{BCF1E29C-64E3-A232-A2F6-C903164B1364}"/>
+                <a16:creationId xmlns:a16="http://schemas.microsoft.com/office/drawing/2014/main" id="{7BBBA868-2471-B24C-FE09-83AF64B8329A}"/>
               </a:ext>
             </a:extLst>
           </p:cNvPr>
@@ -2062,7 +2062,7 @@
           <a:bodyPr/>
           <a:lstStyle/>
           <a:p>
-            <a:fld id="{9DB3D288-FA1A-4758-AC47-4ED4B174DECA}" type="datetimeFigureOut">
+            <a:fld id="{141AACBF-0EFF-40C0-B03F-7EF82ECECFAA}" type="datetimeFigureOut">
               <a:rPr lang="zh-CN" altLang="en-US" smtClean="0"/>
               <a:t>2024/3/10</a:t>
             </a:fld>
@@ -2075,7 +2075,7 @@
           <p:cNvPr id="3" name="页脚占位符 2">
             <a:extLst>
               <a:ext uri="{FF2B5EF4-FFF2-40B4-BE49-F238E27FC236}">
-                <a16:creationId xmlns:a16="http://schemas.microsoft.com/office/drawing/2014/main" id="{20B12169-3714-6D1C-38AC-E9E8FA51877D}"/>
+                <a16:creationId xmlns:a16="http://schemas.microsoft.com/office/drawing/2014/main" id="{5CB724BB-1213-E468-B0E2-27772AF78B3A}"/>
               </a:ext>
             </a:extLst>
           </p:cNvPr>
@@ -2100,7 +2100,7 @@
           <p:cNvPr id="4" name="灯片编号占位符 3">
             <a:extLst>
               <a:ext uri="{FF2B5EF4-FFF2-40B4-BE49-F238E27FC236}">
-                <a16:creationId xmlns:a16="http://schemas.microsoft.com/office/drawing/2014/main" id="{002F61CF-FF6F-A29A-7A57-ECFDA58ACCEF}"/>
+                <a16:creationId xmlns:a16="http://schemas.microsoft.com/office/drawing/2014/main" id="{A7C54990-C2C5-7CD5-AECC-1855E0123216}"/>
               </a:ext>
             </a:extLst>
           </p:cNvPr>
@@ -2116,7 +2116,7 @@
           <a:bodyPr/>
           <a:lstStyle/>
           <a:p>
-            <a:fld id="{E7F2898D-8491-494B-880E-FC4557A606E9}" type="slidenum">
+            <a:fld id="{B653C970-9DC8-4B2B-9784-9CF01C8AADD6}" type="slidenum">
               <a:rPr lang="zh-CN" altLang="en-US" smtClean="0"/>
               <a:t>‹#›</a:t>
             </a:fld>
@@ -2127,7 +2127,7 @@
     </p:spTree>
     <p:extLst>
       <p:ext uri="{BB962C8B-B14F-4D97-AF65-F5344CB8AC3E}">
-        <p14:creationId xmlns:p14="http://schemas.microsoft.com/office/powerpoint/2010/main" val="800877287"/>
+        <p14:creationId xmlns:p14="http://schemas.microsoft.com/office/powerpoint/2010/main" val="181696470"/>
       </p:ext>
     </p:extLst>
   </p:cSld>
@@ -2159,7 +2159,7 @@
           <p:cNvPr id="2" name="标题 1">
             <a:extLst>
               <a:ext uri="{FF2B5EF4-FFF2-40B4-BE49-F238E27FC236}">
-                <a16:creationId xmlns:a16="http://schemas.microsoft.com/office/drawing/2014/main" id="{E2364198-7383-E8E6-D4C5-1F8AB0CD5EAC}"/>
+                <a16:creationId xmlns:a16="http://schemas.microsoft.com/office/drawing/2014/main" id="{7ABD75C9-90DD-70BA-37E5-4B0FD385B52B}"/>
               </a:ext>
             </a:extLst>
           </p:cNvPr>
@@ -2196,7 +2196,7 @@
           <p:cNvPr id="3" name="内容占位符 2">
             <a:extLst>
               <a:ext uri="{FF2B5EF4-FFF2-40B4-BE49-F238E27FC236}">
-                <a16:creationId xmlns:a16="http://schemas.microsoft.com/office/drawing/2014/main" id="{E0B53728-6BC7-A56E-6144-D3BBF9763A32}"/>
+                <a16:creationId xmlns:a16="http://schemas.microsoft.com/office/drawing/2014/main" id="{6600DC5F-FAD7-3137-D551-5A076BCF8DA4}"/>
               </a:ext>
             </a:extLst>
           </p:cNvPr>
@@ -2286,7 +2286,7 @@
           <p:cNvPr id="4" name="文本占位符 3">
             <a:extLst>
               <a:ext uri="{FF2B5EF4-FFF2-40B4-BE49-F238E27FC236}">
-                <a16:creationId xmlns:a16="http://schemas.microsoft.com/office/drawing/2014/main" id="{FB84550E-2E07-D6DD-4BB6-4DF4E19EA7D3}"/>
+                <a16:creationId xmlns:a16="http://schemas.microsoft.com/office/drawing/2014/main" id="{5BCEC39D-BC87-3B2A-5B40-4543216EBB20}"/>
               </a:ext>
             </a:extLst>
           </p:cNvPr>
@@ -2357,7 +2357,7 @@
           <p:cNvPr id="5" name="日期占位符 4">
             <a:extLst>
               <a:ext uri="{FF2B5EF4-FFF2-40B4-BE49-F238E27FC236}">
-                <a16:creationId xmlns:a16="http://schemas.microsoft.com/office/drawing/2014/main" id="{6A902F65-D450-11C5-08F6-D35E5D315477}"/>
+                <a16:creationId xmlns:a16="http://schemas.microsoft.com/office/drawing/2014/main" id="{2B0E3ACE-9FD5-9E1F-7695-1BCD3E61BB99}"/>
               </a:ext>
             </a:extLst>
           </p:cNvPr>
@@ -2373,7 +2373,7 @@
           <a:bodyPr/>
           <a:lstStyle/>
           <a:p>
-            <a:fld id="{9DB3D288-FA1A-4758-AC47-4ED4B174DECA}" type="datetimeFigureOut">
+            <a:fld id="{141AACBF-0EFF-40C0-B03F-7EF82ECECFAA}" type="datetimeFigureOut">
               <a:rPr lang="zh-CN" altLang="en-US" smtClean="0"/>
               <a:t>2024/3/10</a:t>
             </a:fld>
@@ -2386,7 +2386,7 @@
           <p:cNvPr id="6" name="页脚占位符 5">
             <a:extLst>
               <a:ext uri="{FF2B5EF4-FFF2-40B4-BE49-F238E27FC236}">
-                <a16:creationId xmlns:a16="http://schemas.microsoft.com/office/drawing/2014/main" id="{A838BC4D-71BE-8167-16B6-AA83EE13B89B}"/>
+                <a16:creationId xmlns:a16="http://schemas.microsoft.com/office/drawing/2014/main" id="{FFA524E4-3D79-5882-D21F-81946F24E439}"/>
               </a:ext>
             </a:extLst>
           </p:cNvPr>
@@ -2411,7 +2411,7 @@
           <p:cNvPr id="7" name="灯片编号占位符 6">
             <a:extLst>
               <a:ext uri="{FF2B5EF4-FFF2-40B4-BE49-F238E27FC236}">
-                <a16:creationId xmlns:a16="http://schemas.microsoft.com/office/drawing/2014/main" id="{450E6620-F7DF-9EAC-F2F9-654BEACEB8C3}"/>
+                <a16:creationId xmlns:a16="http://schemas.microsoft.com/office/drawing/2014/main" id="{EC10C540-80CB-F700-887C-EAAA123302FF}"/>
               </a:ext>
             </a:extLst>
           </p:cNvPr>
@@ -2427,7 +2427,7 @@
           <a:bodyPr/>
           <a:lstStyle/>
           <a:p>
-            <a:fld id="{E7F2898D-8491-494B-880E-FC4557A606E9}" type="slidenum">
+            <a:fld id="{B653C970-9DC8-4B2B-9784-9CF01C8AADD6}" type="slidenum">
               <a:rPr lang="zh-CN" altLang="en-US" smtClean="0"/>
               <a:t>‹#›</a:t>
             </a:fld>
@@ -2438,7 +2438,7 @@
     </p:spTree>
     <p:extLst>
       <p:ext uri="{BB962C8B-B14F-4D97-AF65-F5344CB8AC3E}">
-        <p14:creationId xmlns:p14="http://schemas.microsoft.com/office/powerpoint/2010/main" val="1974837044"/>
+        <p14:creationId xmlns:p14="http://schemas.microsoft.com/office/powerpoint/2010/main" val="1316397932"/>
       </p:ext>
     </p:extLst>
   </p:cSld>
@@ -2470,7 +2470,7 @@
           <p:cNvPr id="2" name="标题 1">
             <a:extLst>
               <a:ext uri="{FF2B5EF4-FFF2-40B4-BE49-F238E27FC236}">
-                <a16:creationId xmlns:a16="http://schemas.microsoft.com/office/drawing/2014/main" id="{EFA32D80-34F3-0A1C-905D-CB21F2DA03F4}"/>
+                <a16:creationId xmlns:a16="http://schemas.microsoft.com/office/drawing/2014/main" id="{E2B3C641-8089-D04B-25AD-3A09FB62411D}"/>
               </a:ext>
             </a:extLst>
           </p:cNvPr>
@@ -2507,7 +2507,7 @@
           <p:cNvPr id="3" name="图片占位符 2">
             <a:extLst>
               <a:ext uri="{FF2B5EF4-FFF2-40B4-BE49-F238E27FC236}">
-                <a16:creationId xmlns:a16="http://schemas.microsoft.com/office/drawing/2014/main" id="{D3FEC315-1640-C444-EE29-FF314C8C0502}"/>
+                <a16:creationId xmlns:a16="http://schemas.microsoft.com/office/drawing/2014/main" id="{8690B9D9-97A3-7779-5AD7-9EF12B5C79CC}"/>
               </a:ext>
             </a:extLst>
           </p:cNvPr>
@@ -2574,7 +2574,7 @@
           <p:cNvPr id="4" name="文本占位符 3">
             <a:extLst>
               <a:ext uri="{FF2B5EF4-FFF2-40B4-BE49-F238E27FC236}">
-                <a16:creationId xmlns:a16="http://schemas.microsoft.com/office/drawing/2014/main" id="{88A9D93A-716F-9A18-8B0D-C015737F7AD7}"/>
+                <a16:creationId xmlns:a16="http://schemas.microsoft.com/office/drawing/2014/main" id="{7EE422B6-620F-76D4-3649-02556BF1D73E}"/>
               </a:ext>
             </a:extLst>
           </p:cNvPr>
@@ -2645,7 +2645,7 @@
           <p:cNvPr id="5" name="日期占位符 4">
             <a:extLst>
               <a:ext uri="{FF2B5EF4-FFF2-40B4-BE49-F238E27FC236}">
-                <a16:creationId xmlns:a16="http://schemas.microsoft.com/office/drawing/2014/main" id="{80F119E4-27F9-FEE9-3C88-6CA64E158C6C}"/>
+                <a16:creationId xmlns:a16="http://schemas.microsoft.com/office/drawing/2014/main" id="{F0075417-07DB-D0FB-C686-C5DBE08A6FF4}"/>
               </a:ext>
             </a:extLst>
           </p:cNvPr>
@@ -2661,7 +2661,7 @@
           <a:bodyPr/>
           <a:lstStyle/>
           <a:p>
-            <a:fld id="{9DB3D288-FA1A-4758-AC47-4ED4B174DECA}" type="datetimeFigureOut">
+            <a:fld id="{141AACBF-0EFF-40C0-B03F-7EF82ECECFAA}" type="datetimeFigureOut">
               <a:rPr lang="zh-CN" altLang="en-US" smtClean="0"/>
               <a:t>2024/3/10</a:t>
             </a:fld>
@@ -2674,7 +2674,7 @@
           <p:cNvPr id="6" name="页脚占位符 5">
             <a:extLst>
               <a:ext uri="{FF2B5EF4-FFF2-40B4-BE49-F238E27FC236}">
-                <a16:creationId xmlns:a16="http://schemas.microsoft.com/office/drawing/2014/main" id="{D7244617-5595-1FE9-37BD-014AFA50A883}"/>
+                <a16:creationId xmlns:a16="http://schemas.microsoft.com/office/drawing/2014/main" id="{11F660AD-10A4-B1C8-5B0F-FD203BC6C85C}"/>
               </a:ext>
             </a:extLst>
           </p:cNvPr>
@@ -2699,7 +2699,7 @@
           <p:cNvPr id="7" name="灯片编号占位符 6">
             <a:extLst>
               <a:ext uri="{FF2B5EF4-FFF2-40B4-BE49-F238E27FC236}">
-                <a16:creationId xmlns:a16="http://schemas.microsoft.com/office/drawing/2014/main" id="{8D3C955C-0762-0B27-172B-6B666D8F4CA4}"/>
+                <a16:creationId xmlns:a16="http://schemas.microsoft.com/office/drawing/2014/main" id="{1525AE6B-1AD9-BC54-C335-04F9E58EEDBE}"/>
               </a:ext>
             </a:extLst>
           </p:cNvPr>
@@ -2715,7 +2715,7 @@
           <a:bodyPr/>
           <a:lstStyle/>
           <a:p>
-            <a:fld id="{E7F2898D-8491-494B-880E-FC4557A606E9}" type="slidenum">
+            <a:fld id="{B653C970-9DC8-4B2B-9784-9CF01C8AADD6}" type="slidenum">
               <a:rPr lang="zh-CN" altLang="en-US" smtClean="0"/>
               <a:t>‹#›</a:t>
             </a:fld>
@@ -2726,7 +2726,7 @@
     </p:spTree>
     <p:extLst>
       <p:ext uri="{BB962C8B-B14F-4D97-AF65-F5344CB8AC3E}">
-        <p14:creationId xmlns:p14="http://schemas.microsoft.com/office/powerpoint/2010/main" val="2261816982"/>
+        <p14:creationId xmlns:p14="http://schemas.microsoft.com/office/powerpoint/2010/main" val="2219076273"/>
       </p:ext>
     </p:extLst>
   </p:cSld>
@@ -2763,7 +2763,7 @@
           <p:cNvPr id="2" name="标题占位符 1">
             <a:extLst>
               <a:ext uri="{FF2B5EF4-FFF2-40B4-BE49-F238E27FC236}">
-                <a16:creationId xmlns:a16="http://schemas.microsoft.com/office/drawing/2014/main" id="{A61B9ACC-2234-9D87-83F9-DEA2B19A952D}"/>
+                <a16:creationId xmlns:a16="http://schemas.microsoft.com/office/drawing/2014/main" id="{781561A6-85B0-2AAC-06DB-BB4E7363C739}"/>
               </a:ext>
             </a:extLst>
           </p:cNvPr>
@@ -2801,7 +2801,7 @@
           <p:cNvPr id="3" name="文本占位符 2">
             <a:extLst>
               <a:ext uri="{FF2B5EF4-FFF2-40B4-BE49-F238E27FC236}">
-                <a16:creationId xmlns:a16="http://schemas.microsoft.com/office/drawing/2014/main" id="{4FB930F2-BC1B-C6E4-3E64-C103BBC9E86C}"/>
+                <a16:creationId xmlns:a16="http://schemas.microsoft.com/office/drawing/2014/main" id="{C7EDA8EF-D747-57E6-5726-38D63DE5BB7A}"/>
               </a:ext>
             </a:extLst>
           </p:cNvPr>
@@ -2868,7 +2868,7 @@
           <p:cNvPr id="4" name="日期占位符 3">
             <a:extLst>
               <a:ext uri="{FF2B5EF4-FFF2-40B4-BE49-F238E27FC236}">
-                <a16:creationId xmlns:a16="http://schemas.microsoft.com/office/drawing/2014/main" id="{E360ABC0-CEBE-9426-BC58-7595A8A63EBD}"/>
+                <a16:creationId xmlns:a16="http://schemas.microsoft.com/office/drawing/2014/main" id="{DAFF2394-EC45-E26E-FE53-2979F19859DB}"/>
               </a:ext>
             </a:extLst>
           </p:cNvPr>
@@ -2902,7 +2902,7 @@
             </a:lvl1pPr>
           </a:lstStyle>
           <a:p>
-            <a:fld id="{9DB3D288-FA1A-4758-AC47-4ED4B174DECA}" type="datetimeFigureOut">
+            <a:fld id="{141AACBF-0EFF-40C0-B03F-7EF82ECECFAA}" type="datetimeFigureOut">
               <a:rPr lang="zh-CN" altLang="en-US" smtClean="0"/>
               <a:t>2024/3/10</a:t>
             </a:fld>
@@ -2915,7 +2915,7 @@
           <p:cNvPr id="5" name="页脚占位符 4">
             <a:extLst>
               <a:ext uri="{FF2B5EF4-FFF2-40B4-BE49-F238E27FC236}">
-                <a16:creationId xmlns:a16="http://schemas.microsoft.com/office/drawing/2014/main" id="{5D74D55C-A60F-99A6-E14D-D316B86A582B}"/>
+                <a16:creationId xmlns:a16="http://schemas.microsoft.com/office/drawing/2014/main" id="{CFB8A0AD-9FCA-D984-C091-5B236DB80E53}"/>
               </a:ext>
             </a:extLst>
           </p:cNvPr>
@@ -2958,7 +2958,7 @@
           <p:cNvPr id="6" name="灯片编号占位符 5">
             <a:extLst>
               <a:ext uri="{FF2B5EF4-FFF2-40B4-BE49-F238E27FC236}">
-                <a16:creationId xmlns:a16="http://schemas.microsoft.com/office/drawing/2014/main" id="{161C8EA7-5DDE-BE38-F11E-A617AD3CFA50}"/>
+                <a16:creationId xmlns:a16="http://schemas.microsoft.com/office/drawing/2014/main" id="{6017B3B3-EB45-1022-ABB2-C42753700490}"/>
               </a:ext>
             </a:extLst>
           </p:cNvPr>
@@ -2992,7 +2992,7 @@
             </a:lvl1pPr>
           </a:lstStyle>
           <a:p>
-            <a:fld id="{E7F2898D-8491-494B-880E-FC4557A606E9}" type="slidenum">
+            <a:fld id="{B653C970-9DC8-4B2B-9784-9CF01C8AADD6}" type="slidenum">
               <a:rPr lang="zh-CN" altLang="en-US" smtClean="0"/>
               <a:t>‹#›</a:t>
             </a:fld>
@@ -3003,7 +3003,7 @@
     </p:spTree>
     <p:extLst>
       <p:ext uri="{BB962C8B-B14F-4D97-AF65-F5344CB8AC3E}">
-        <p14:creationId xmlns:p14="http://schemas.microsoft.com/office/powerpoint/2010/main" val="1286322586"/>
+        <p14:creationId xmlns:p14="http://schemas.microsoft.com/office/powerpoint/2010/main" val="389053463"/>
       </p:ext>
     </p:extLst>
   </p:cSld>
@@ -3323,7 +3323,7 @@
       </p:grpSpPr>
       <p:pic>
         <p:nvPicPr>
-          <p:cNvPr id="1183746" name="Picture 2" descr="1155"/>
+          <p:cNvPr id="1184770" name="Picture 2" descr="1156"/>
           <p:cNvPicPr>
             <a:picLocks noChangeAspect="1" noChangeArrowheads="1"/>
           </p:cNvPicPr>
@@ -3345,7 +3345,7 @@
         <p:spPr bwMode="auto">
           <a:xfrm>
             <a:off x="1524000" y="0"/>
-            <a:ext cx="9144000" cy="6237288"/>
+            <a:ext cx="9144000" cy="6859588"/>
           </a:xfrm>
           <a:prstGeom prst="rect">
             <a:avLst/>
@@ -3375,11 +3375,158 @@
           </a:extLst>
         </p:spPr>
       </p:pic>
+      <p:pic>
+        <p:nvPicPr>
+          <p:cNvPr id="1185795" name="Picture 3" descr="1156-2"/>
+          <p:cNvPicPr>
+            <a:picLocks noChangeAspect="1" noChangeArrowheads="1"/>
+          </p:cNvPicPr>
+          <p:nvPr/>
+        </p:nvPicPr>
+        <p:blipFill>
+          <a:blip r:embed="rId3">
+            <a:extLst>
+              <a:ext uri="{28A0092B-C50C-407E-A947-70E740481C1C}">
+                <a14:useLocalDpi xmlns:a14="http://schemas.microsoft.com/office/drawing/2010/main" val="0"/>
+              </a:ext>
+            </a:extLst>
+          </a:blip>
+          <a:srcRect/>
+          <a:stretch>
+            <a:fillRect/>
+          </a:stretch>
+        </p:blipFill>
+        <p:spPr bwMode="auto">
+          <a:xfrm>
+            <a:off x="1560513" y="1"/>
+            <a:ext cx="9144000" cy="6861175"/>
+          </a:xfrm>
+          <a:prstGeom prst="rect">
+            <a:avLst/>
+          </a:prstGeom>
+          <a:noFill/>
+          <a:ln>
+            <a:noFill/>
+          </a:ln>
+          <a:effectLst/>
+          <a:extLst>
+            <a:ext uri="{909E8E84-426E-40DD-AFC4-6F175D3DCCD1}">
+              <a14:hiddenFill xmlns:a14="http://schemas.microsoft.com/office/drawing/2010/main">
+                <a:solidFill>
+                  <a:srgbClr val="FFFFFF"/>
+                </a:solidFill>
+              </a14:hiddenFill>
+            </a:ext>
+            <a:ext uri="{91240B29-F687-4F45-9708-019B960494DF}">
+              <a14:hiddenLine xmlns:a14="http://schemas.microsoft.com/office/drawing/2010/main" w="9525">
+                <a:solidFill>
+                  <a:srgbClr val="000000"/>
+                </a:solidFill>
+                <a:miter lim="800000"/>
+                <a:headEnd/>
+                <a:tailEnd/>
+              </a14:hiddenLine>
+            </a:ext>
+            <a:ext uri="{AF507438-7753-43E0-B8FC-AC1667EBCBE1}">
+              <a14:hiddenEffects xmlns:a14="http://schemas.microsoft.com/office/drawing/2010/main">
+                <a:effectLst>
+                  <a:outerShdw dist="35921" dir="2700000" algn="ctr" rotWithShape="0">
+                    <a:srgbClr val="808080"/>
+                  </a:outerShdw>
+                </a:effectLst>
+              </a14:hiddenEffects>
+            </a:ext>
+          </a:extLst>
+        </p:spPr>
+      </p:pic>
     </p:spTree>
   </p:cSld>
   <p:clrMapOvr>
     <a:masterClrMapping/>
   </p:clrMapOvr>
+  <p:timing>
+    <p:tnLst>
+      <p:par>
+        <p:cTn id="1" dur="indefinite" restart="never" nodeType="tmRoot">
+          <p:childTnLst>
+            <p:seq concurrent="1" nextAc="seek">
+              <p:cTn id="2" dur="indefinite" nodeType="mainSeq">
+                <p:childTnLst>
+                  <p:par>
+                    <p:cTn id="3" fill="hold" nodeType="clickPar">
+                      <p:stCondLst>
+                        <p:cond delay="indefinite"/>
+                      </p:stCondLst>
+                      <p:childTnLst>
+                        <p:par>
+                          <p:cTn id="4" fill="hold" nodeType="withGroup">
+                            <p:stCondLst>
+                              <p:cond delay="0"/>
+                            </p:stCondLst>
+                            <p:childTnLst>
+                              <p:par>
+                                <p:cTn id="5" presetID="10" presetClass="entr" presetSubtype="0" fill="hold" nodeType="clickEffect">
+                                  <p:stCondLst>
+                                    <p:cond delay="0"/>
+                                  </p:stCondLst>
+                                  <p:childTnLst>
+                                    <p:set>
+                                      <p:cBhvr>
+                                        <p:cTn id="6" dur="1" fill="hold">
+                                          <p:stCondLst>
+                                            <p:cond delay="0"/>
+                                          </p:stCondLst>
+                                        </p:cTn>
+                                        <p:tgtEl>
+                                          <p:spTgt spid="1185795"/>
+                                        </p:tgtEl>
+                                        <p:attrNameLst>
+                                          <p:attrName>style.visibility</p:attrName>
+                                        </p:attrNameLst>
+                                      </p:cBhvr>
+                                      <p:to>
+                                        <p:strVal val="visible"/>
+                                      </p:to>
+                                    </p:set>
+                                    <p:animEffect transition="in" filter="fade">
+                                      <p:cBhvr>
+                                        <p:cTn id="7" dur="500"/>
+                                        <p:tgtEl>
+                                          <p:spTgt spid="1185795"/>
+                                        </p:tgtEl>
+                                      </p:cBhvr>
+                                    </p:animEffect>
+                                  </p:childTnLst>
+                                </p:cTn>
+                              </p:par>
+                            </p:childTnLst>
+                          </p:cTn>
+                        </p:par>
+                      </p:childTnLst>
+                    </p:cTn>
+                  </p:par>
+                </p:childTnLst>
+              </p:cTn>
+              <p:prevCondLst>
+                <p:cond evt="onPrev" delay="0">
+                  <p:tgtEl>
+                    <p:sldTgt/>
+                  </p:tgtEl>
+                </p:cond>
+              </p:prevCondLst>
+              <p:nextCondLst>
+                <p:cond evt="onNext" delay="0">
+                  <p:tgtEl>
+                    <p:sldTgt/>
+                  </p:tgtEl>
+                </p:cond>
+              </p:nextCondLst>
+            </p:seq>
+          </p:childTnLst>
+        </p:cTn>
+      </p:par>
+    </p:tnLst>
+  </p:timing>
 </p:sld>
 </file>
 
